--- a/dossier/PROJET picto.pptx
+++ b/dossier/PROJET picto.pptx
@@ -155,6 +155,9 @@
           </p15:clr>
         </p15:guide>
       </p15:sldGuideLst>
+    </p:ext>
+    <p:ext uri="{2D200454-40CA-4A62-9FC3-DE9A4176ACB9}">
+      <p15:notesGuideLst xmlns:p15="http://schemas.microsoft.com/office/powerpoint/2012/main"/>
     </p:ext>
   </p:extLst>
 </p:presentation>
@@ -37684,7 +37687,7 @@
           <a:p>
             <a:fld id="{90740FF1-1481-4AE7-8D75-AFE5E6C98734}" type="datetimeFigureOut">
               <a:rPr lang="ru-RU" smtClean="0"/>
-              <a:t>30.06.2024</a:t>
+              <a:t>01.07.2024</a:t>
             </a:fld>
             <a:endParaRPr lang="ru-RU"/>
           </a:p>
@@ -37861,7 +37864,7 @@
           <a:p>
             <a:fld id="{2EE3FC67-D84A-4ABC-AB79-CC51AEC05E09}" type="datetimeFigureOut">
               <a:rPr lang="ru-RU" smtClean="0"/>
-              <a:t>30.06.2024</a:t>
+              <a:t>01.07.2024</a:t>
             </a:fld>
             <a:endParaRPr lang="ru-RU"/>
           </a:p>
@@ -40789,7 +40792,7 @@
             <a:fld id="{BDF75B2F-F87F-4166-A3BE-9E72A0641154}" type="datetimeFigureOut">
               <a:rPr lang="fr-FR" smtClean="0"/>
               <a:pPr/>
-              <a:t>30/06/2024</a:t>
+              <a:t>01/07/2024</a:t>
             </a:fld>
             <a:endParaRPr lang="fr-FR"/>
           </a:p>
@@ -40954,7 +40957,7 @@
             <a:fld id="{BDF75B2F-F87F-4166-A3BE-9E72A0641154}" type="datetimeFigureOut">
               <a:rPr lang="fr-FR" smtClean="0"/>
               <a:pPr/>
-              <a:t>30/06/2024</a:t>
+              <a:t>01/07/2024</a:t>
             </a:fld>
             <a:endParaRPr lang="fr-FR"/>
           </a:p>
@@ -41129,7 +41132,7 @@
             <a:fld id="{BDF75B2F-F87F-4166-A3BE-9E72A0641154}" type="datetimeFigureOut">
               <a:rPr lang="fr-FR" smtClean="0"/>
               <a:pPr/>
-              <a:t>30/06/2024</a:t>
+              <a:t>01/07/2024</a:t>
             </a:fld>
             <a:endParaRPr lang="fr-FR"/>
           </a:p>
@@ -41294,7 +41297,7 @@
             <a:fld id="{BDF75B2F-F87F-4166-A3BE-9E72A0641154}" type="datetimeFigureOut">
               <a:rPr lang="fr-FR" smtClean="0"/>
               <a:pPr/>
-              <a:t>30/06/2024</a:t>
+              <a:t>01/07/2024</a:t>
             </a:fld>
             <a:endParaRPr lang="fr-FR"/>
           </a:p>
@@ -41536,7 +41539,7 @@
             <a:fld id="{BDF75B2F-F87F-4166-A3BE-9E72A0641154}" type="datetimeFigureOut">
               <a:rPr lang="fr-FR" smtClean="0"/>
               <a:pPr/>
-              <a:t>30/06/2024</a:t>
+              <a:t>01/07/2024</a:t>
             </a:fld>
             <a:endParaRPr lang="fr-FR"/>
           </a:p>
@@ -41818,7 +41821,7 @@
             <a:fld id="{BDF75B2F-F87F-4166-A3BE-9E72A0641154}" type="datetimeFigureOut">
               <a:rPr lang="fr-FR" smtClean="0"/>
               <a:pPr/>
-              <a:t>30/06/2024</a:t>
+              <a:t>01/07/2024</a:t>
             </a:fld>
             <a:endParaRPr lang="fr-FR"/>
           </a:p>
@@ -42234,7 +42237,7 @@
             <a:fld id="{BDF75B2F-F87F-4166-A3BE-9E72A0641154}" type="datetimeFigureOut">
               <a:rPr lang="fr-FR" smtClean="0"/>
               <a:pPr/>
-              <a:t>30/06/2024</a:t>
+              <a:t>01/07/2024</a:t>
             </a:fld>
             <a:endParaRPr lang="fr-FR"/>
           </a:p>
@@ -42348,7 +42351,7 @@
             <a:fld id="{BDF75B2F-F87F-4166-A3BE-9E72A0641154}" type="datetimeFigureOut">
               <a:rPr lang="fr-FR" smtClean="0"/>
               <a:pPr/>
-              <a:t>30/06/2024</a:t>
+              <a:t>01/07/2024</a:t>
             </a:fld>
             <a:endParaRPr lang="fr-FR"/>
           </a:p>
@@ -42440,7 +42443,7 @@
             <a:fld id="{BDF75B2F-F87F-4166-A3BE-9E72A0641154}" type="datetimeFigureOut">
               <a:rPr lang="fr-FR" smtClean="0"/>
               <a:pPr/>
-              <a:t>30/06/2024</a:t>
+              <a:t>01/07/2024</a:t>
             </a:fld>
             <a:endParaRPr lang="fr-FR"/>
           </a:p>
@@ -42712,7 +42715,7 @@
             <a:fld id="{BDF75B2F-F87F-4166-A3BE-9E72A0641154}" type="datetimeFigureOut">
               <a:rPr lang="fr-FR" smtClean="0"/>
               <a:pPr/>
-              <a:t>30/06/2024</a:t>
+              <a:t>01/07/2024</a:t>
             </a:fld>
             <a:endParaRPr lang="fr-FR"/>
           </a:p>
@@ -42961,7 +42964,7 @@
             <a:fld id="{BDF75B2F-F87F-4166-A3BE-9E72A0641154}" type="datetimeFigureOut">
               <a:rPr lang="fr-FR" smtClean="0"/>
               <a:pPr/>
-              <a:t>30/06/2024</a:t>
+              <a:t>01/07/2024</a:t>
             </a:fld>
             <a:endParaRPr lang="fr-FR"/>
           </a:p>
@@ -43169,7 +43172,7 @@
             <a:fld id="{BDF75B2F-F87F-4166-A3BE-9E72A0641154}" type="datetimeFigureOut">
               <a:rPr lang="fr-FR" smtClean="0"/>
               <a:pPr/>
-              <a:t>30/06/2024</a:t>
+              <a:t>01/07/2024</a:t>
             </a:fld>
             <a:endParaRPr lang="fr-FR"/>
           </a:p>
